--- a/CreateModel.pptx
+++ b/CreateModel.pptx
@@ -241,7 +241,7 @@
           <a:p>
             <a:fld id="{8437810C-03B4-4447-8F4C-AE5CB94D09B6}" type="datetimeFigureOut">
               <a:rPr lang="fr-FR" smtClean="0"/>
-              <a:t>24/07/2019</a:t>
+              <a:t>03/05/2020</a:t>
             </a:fld>
             <a:endParaRPr lang="fr-FR"/>
           </a:p>
@@ -409,7 +409,7 @@
           <a:p>
             <a:fld id="{8437810C-03B4-4447-8F4C-AE5CB94D09B6}" type="datetimeFigureOut">
               <a:rPr lang="fr-FR" smtClean="0"/>
-              <a:t>24/07/2019</a:t>
+              <a:t>03/05/2020</a:t>
             </a:fld>
             <a:endParaRPr lang="fr-FR"/>
           </a:p>
@@ -587,7 +587,7 @@
           <a:p>
             <a:fld id="{8437810C-03B4-4447-8F4C-AE5CB94D09B6}" type="datetimeFigureOut">
               <a:rPr lang="fr-FR" smtClean="0"/>
-              <a:t>24/07/2019</a:t>
+              <a:t>03/05/2020</a:t>
             </a:fld>
             <a:endParaRPr lang="fr-FR"/>
           </a:p>
@@ -755,7 +755,7 @@
           <a:p>
             <a:fld id="{8437810C-03B4-4447-8F4C-AE5CB94D09B6}" type="datetimeFigureOut">
               <a:rPr lang="fr-FR" smtClean="0"/>
-              <a:t>24/07/2019</a:t>
+              <a:t>03/05/2020</a:t>
             </a:fld>
             <a:endParaRPr lang="fr-FR"/>
           </a:p>
@@ -1000,7 +1000,7 @@
           <a:p>
             <a:fld id="{8437810C-03B4-4447-8F4C-AE5CB94D09B6}" type="datetimeFigureOut">
               <a:rPr lang="fr-FR" smtClean="0"/>
-              <a:t>24/07/2019</a:t>
+              <a:t>03/05/2020</a:t>
             </a:fld>
             <a:endParaRPr lang="fr-FR"/>
           </a:p>
@@ -1229,7 +1229,7 @@
           <a:p>
             <a:fld id="{8437810C-03B4-4447-8F4C-AE5CB94D09B6}" type="datetimeFigureOut">
               <a:rPr lang="fr-FR" smtClean="0"/>
-              <a:t>24/07/2019</a:t>
+              <a:t>03/05/2020</a:t>
             </a:fld>
             <a:endParaRPr lang="fr-FR"/>
           </a:p>
@@ -1593,7 +1593,7 @@
           <a:p>
             <a:fld id="{8437810C-03B4-4447-8F4C-AE5CB94D09B6}" type="datetimeFigureOut">
               <a:rPr lang="fr-FR" smtClean="0"/>
-              <a:t>24/07/2019</a:t>
+              <a:t>03/05/2020</a:t>
             </a:fld>
             <a:endParaRPr lang="fr-FR"/>
           </a:p>
@@ -1710,7 +1710,7 @@
           <a:p>
             <a:fld id="{8437810C-03B4-4447-8F4C-AE5CB94D09B6}" type="datetimeFigureOut">
               <a:rPr lang="fr-FR" smtClean="0"/>
-              <a:t>24/07/2019</a:t>
+              <a:t>03/05/2020</a:t>
             </a:fld>
             <a:endParaRPr lang="fr-FR"/>
           </a:p>
@@ -1805,7 +1805,7 @@
           <a:p>
             <a:fld id="{8437810C-03B4-4447-8F4C-AE5CB94D09B6}" type="datetimeFigureOut">
               <a:rPr lang="fr-FR" smtClean="0"/>
-              <a:t>24/07/2019</a:t>
+              <a:t>03/05/2020</a:t>
             </a:fld>
             <a:endParaRPr lang="fr-FR"/>
           </a:p>
@@ -2080,7 +2080,7 @@
           <a:p>
             <a:fld id="{8437810C-03B4-4447-8F4C-AE5CB94D09B6}" type="datetimeFigureOut">
               <a:rPr lang="fr-FR" smtClean="0"/>
-              <a:t>24/07/2019</a:t>
+              <a:t>03/05/2020</a:t>
             </a:fld>
             <a:endParaRPr lang="fr-FR"/>
           </a:p>
@@ -2332,7 +2332,7 @@
           <a:p>
             <a:fld id="{8437810C-03B4-4447-8F4C-AE5CB94D09B6}" type="datetimeFigureOut">
               <a:rPr lang="fr-FR" smtClean="0"/>
-              <a:t>24/07/2019</a:t>
+              <a:t>03/05/2020</a:t>
             </a:fld>
             <a:endParaRPr lang="fr-FR"/>
           </a:p>
@@ -2543,7 +2543,7 @@
           <a:p>
             <a:fld id="{8437810C-03B4-4447-8F4C-AE5CB94D09B6}" type="datetimeFigureOut">
               <a:rPr lang="fr-FR" smtClean="0"/>
-              <a:t>24/07/2019</a:t>
+              <a:t>03/05/2020</a:t>
             </a:fld>
             <a:endParaRPr lang="fr-FR"/>
           </a:p>
@@ -3010,10 +3010,11 @@
           <a:prstGeom prst="rect">
             <a:avLst/>
           </a:prstGeom>
-          <a:ln>
+          <a:ln w="38100">
             <a:solidFill>
               <a:schemeClr val="tx1"/>
             </a:solidFill>
+            <a:prstDash val="dash"/>
           </a:ln>
         </p:spPr>
         <p:style>
@@ -3052,16 +3053,17 @@
         </p:nvSpPr>
         <p:spPr>
           <a:xfrm>
-            <a:off x="2971799" y="2148839"/>
-            <a:ext cx="5539156" cy="457200"/>
+            <a:off x="3281289" y="2839323"/>
+            <a:ext cx="4920176" cy="457200"/>
           </a:xfrm>
           <a:prstGeom prst="rect">
             <a:avLst/>
           </a:prstGeom>
-          <a:ln>
+          <a:ln w="38100">
             <a:solidFill>
               <a:schemeClr val="tx1"/>
             </a:solidFill>
+            <a:prstDash val="dash"/>
           </a:ln>
         </p:spPr>
         <p:style>
@@ -3087,7 +3089,7 @@
             <a:pPr algn="ctr"/>
             <a:r>
               <a:rPr lang="fr-FR" dirty="0"/>
-              <a:t>FIRST PREPROCESSING : NONE,  CENTER OR AUTOSCALE</a:t>
+              <a:t>NORMALIZATION: NONE, CENTER OR AUTOSCALE</a:t>
             </a:r>
           </a:p>
         </p:txBody>
@@ -3100,8 +3102,8 @@
         </p:nvSpPr>
         <p:spPr>
           <a:xfrm>
-            <a:off x="3160834" y="2819985"/>
-            <a:ext cx="5161085" cy="457200"/>
+            <a:off x="3393836" y="3510469"/>
+            <a:ext cx="4695082" cy="457200"/>
           </a:xfrm>
           <a:prstGeom prst="rect">
             <a:avLst/>
@@ -3196,8 +3198,8 @@
         </p:nvSpPr>
         <p:spPr>
           <a:xfrm>
-            <a:off x="2971797" y="3491131"/>
-            <a:ext cx="5539158" cy="457200"/>
+            <a:off x="4572018" y="5509259"/>
+            <a:ext cx="2338716" cy="457200"/>
           </a:xfrm>
           <a:prstGeom prst="rect">
             <a:avLst/>
@@ -3234,7 +3236,7 @@
             <a:pPr algn="ctr"/>
             <a:r>
               <a:rPr lang="fr-FR" dirty="0"/>
-              <a:t>VARIABLE SELECTION CHOICE : MANUAL OR AUTOMATIC</a:t>
+              <a:t>VARIABLE SELECTION</a:t>
             </a:r>
           </a:p>
         </p:txBody>
@@ -3247,16 +3249,17 @@
         </p:nvSpPr>
         <p:spPr>
           <a:xfrm>
-            <a:off x="2866290" y="4162277"/>
-            <a:ext cx="5750172" cy="457200"/>
+            <a:off x="2788921" y="2152643"/>
+            <a:ext cx="5904908" cy="457200"/>
           </a:xfrm>
           <a:prstGeom prst="rect">
             <a:avLst/>
           </a:prstGeom>
-          <a:ln>
+          <a:ln w="38100">
             <a:solidFill>
               <a:schemeClr val="tx1"/>
             </a:solidFill>
+            <a:prstDash val="dash"/>
           </a:ln>
         </p:spPr>
         <p:style>
@@ -3282,7 +3285,7 @@
             <a:pPr algn="ctr"/>
             <a:r>
               <a:rPr lang="fr-FR" dirty="0"/>
-              <a:t>SECOND PREPROCESSING : NONE OR 13 FOR COMPARISON</a:t>
+              <a:t>SPECTRAL PREPROCESSING: NONE OR 13 FOR COMPARISON</a:t>
             </a:r>
           </a:p>
         </p:txBody>
@@ -3369,15 +3372,16 @@
         <p:nvCxnSpPr>
           <p:cNvPr id="16" name="Connecteur droit avec flèche 15"/>
           <p:cNvCxnSpPr>
+            <a:cxnSpLocks/>
             <a:stCxn id="8" idx="2"/>
-            <a:endCxn id="6" idx="0"/>
+            <a:endCxn id="10" idx="0"/>
           </p:cNvCxnSpPr>
           <p:nvPr/>
         </p:nvCxnSpPr>
         <p:spPr>
-          <a:xfrm>
-            <a:off x="5741376" y="1934893"/>
-            <a:ext cx="1" cy="213946"/>
+          <a:xfrm flipH="1">
+            <a:off x="5741375" y="1934893"/>
+            <a:ext cx="1" cy="217750"/>
           </a:xfrm>
           <a:prstGeom prst="straightConnector1">
             <a:avLst/>
@@ -3408,6 +3412,7 @@
         <p:nvCxnSpPr>
           <p:cNvPr id="19" name="Connecteur droit avec flèche 18"/>
           <p:cNvCxnSpPr>
+            <a:cxnSpLocks/>
             <a:stCxn id="6" idx="2"/>
             <a:endCxn id="7" idx="0"/>
           </p:cNvCxnSpPr>
@@ -3415,7 +3420,7 @@
         </p:nvCxnSpPr>
         <p:spPr>
           <a:xfrm>
-            <a:off x="5741377" y="2606039"/>
+            <a:off x="5741377" y="3296523"/>
             <a:ext cx="0" cy="213946"/>
           </a:xfrm>
           <a:prstGeom prst="straightConnector1">
@@ -3447,54 +3452,16 @@
         <p:nvCxnSpPr>
           <p:cNvPr id="22" name="Connecteur droit avec flèche 21"/>
           <p:cNvCxnSpPr>
+            <a:cxnSpLocks/>
             <a:stCxn id="7" idx="2"/>
-            <a:endCxn id="9" idx="0"/>
+            <a:endCxn id="20" idx="0"/>
           </p:cNvCxnSpPr>
           <p:nvPr/>
         </p:nvCxnSpPr>
         <p:spPr>
           <a:xfrm flipH="1">
-            <a:off x="5741376" y="3277185"/>
-            <a:ext cx="1" cy="213946"/>
-          </a:xfrm>
-          <a:prstGeom prst="straightConnector1">
-            <a:avLst/>
-          </a:prstGeom>
-          <a:ln w="38100">
-            <a:solidFill>
-              <a:schemeClr val="tx1"/>
-            </a:solidFill>
-            <a:tailEnd type="triangle"/>
-          </a:ln>
-        </p:spPr>
-        <p:style>
-          <a:lnRef idx="1">
-            <a:schemeClr val="dk1"/>
-          </a:lnRef>
-          <a:fillRef idx="0">
-            <a:schemeClr val="dk1"/>
-          </a:fillRef>
-          <a:effectRef idx="0">
-            <a:schemeClr val="dk1"/>
-          </a:effectRef>
-          <a:fontRef idx="minor">
-            <a:schemeClr val="tx1"/>
-          </a:fontRef>
-        </p:style>
-      </p:cxnSp>
-      <p:cxnSp>
-        <p:nvCxnSpPr>
-          <p:cNvPr id="25" name="Connecteur droit avec flèche 24"/>
-          <p:cNvCxnSpPr>
-            <a:stCxn id="9" idx="2"/>
-            <a:endCxn id="10" idx="0"/>
-          </p:cNvCxnSpPr>
-          <p:nvPr/>
-        </p:nvCxnSpPr>
-        <p:spPr>
-          <a:xfrm>
-            <a:off x="5741376" y="3948331"/>
-            <a:ext cx="0" cy="213946"/>
+            <a:off x="5741376" y="3967669"/>
+            <a:ext cx="1" cy="182001"/>
           </a:xfrm>
           <a:prstGeom prst="straightConnector1">
             <a:avLst/>
@@ -3527,14 +3494,14 @@
           <p:cNvCxnSpPr>
             <a:cxnSpLocks/>
             <a:stCxn id="10" idx="2"/>
-            <a:endCxn id="30" idx="0"/>
+            <a:endCxn id="6" idx="0"/>
           </p:cNvCxnSpPr>
           <p:nvPr/>
         </p:nvCxnSpPr>
         <p:spPr>
           <a:xfrm>
-            <a:off x="5741376" y="4619477"/>
-            <a:ext cx="0" cy="213946"/>
+            <a:off x="5741375" y="2609843"/>
+            <a:ext cx="2" cy="229480"/>
           </a:xfrm>
           <a:prstGeom prst="straightConnector1">
             <a:avLst/>
@@ -3569,8 +3536,8 @@
         </p:nvSpPr>
         <p:spPr>
           <a:xfrm>
-            <a:off x="4026876" y="4833423"/>
-            <a:ext cx="3429000" cy="457200"/>
+            <a:off x="4040941" y="4845144"/>
+            <a:ext cx="3400868" cy="457200"/>
           </a:xfrm>
           <a:prstGeom prst="rect">
             <a:avLst/>
@@ -3606,7 +3573,7 @@
           <a:p>
             <a:pPr algn="ctr"/>
             <a:r>
-              <a:rPr lang="fr-FR" dirty="0"/>
+              <a:rPr lang="fr-FR" b="1" dirty="0"/>
               <a:t>COMPLETE MODEL ESTIMATION</a:t>
             </a:r>
           </a:p>
@@ -3626,7 +3593,7 @@
         </p:nvSpPr>
         <p:spPr>
           <a:xfrm>
-            <a:off x="4378572" y="5504569"/>
+            <a:off x="4378572" y="4149670"/>
             <a:ext cx="2725608" cy="457200"/>
           </a:xfrm>
           <a:prstGeom prst="rect">
@@ -3677,14 +3644,15 @@
           </p:cNvPr>
           <p:cNvCxnSpPr>
             <a:cxnSpLocks/>
-            <a:endCxn id="20" idx="0"/>
+            <a:stCxn id="30" idx="2"/>
+            <a:endCxn id="9" idx="0"/>
           </p:cNvCxnSpPr>
           <p:nvPr/>
         </p:nvCxnSpPr>
         <p:spPr>
           <a:xfrm>
-            <a:off x="5741376" y="5290623"/>
-            <a:ext cx="0" cy="213946"/>
+            <a:off x="5741375" y="5302344"/>
+            <a:ext cx="1" cy="206915"/>
           </a:xfrm>
           <a:prstGeom prst="straightConnector1">
             <a:avLst/>
@@ -3762,7 +3730,7 @@
           <a:p>
             <a:pPr algn="ctr"/>
             <a:r>
-              <a:rPr lang="fr-FR" dirty="0"/>
+              <a:rPr lang="fr-FR" b="1" dirty="0"/>
               <a:t>REDUCE MODEL ESTIMATION</a:t>
             </a:r>
           </a:p>
@@ -3813,6 +3781,98 @@
           </a:fontRef>
         </p:style>
       </p:cxnSp>
+      <p:cxnSp>
+        <p:nvCxnSpPr>
+          <p:cNvPr id="38" name="Connecteur droit avec flèche 37">
+            <a:extLst>
+              <a:ext uri="{FF2B5EF4-FFF2-40B4-BE49-F238E27FC236}">
+                <a16:creationId xmlns:a16="http://schemas.microsoft.com/office/drawing/2014/main" id="{CB49CDDB-1828-44BF-9963-5ACC1935A370}"/>
+              </a:ext>
+            </a:extLst>
+          </p:cNvPr>
+          <p:cNvCxnSpPr>
+            <a:cxnSpLocks/>
+            <a:stCxn id="20" idx="2"/>
+            <a:endCxn id="30" idx="0"/>
+          </p:cNvCxnSpPr>
+          <p:nvPr/>
+        </p:nvCxnSpPr>
+        <p:spPr>
+          <a:xfrm flipH="1">
+            <a:off x="5741375" y="4606870"/>
+            <a:ext cx="1" cy="238274"/>
+          </a:xfrm>
+          <a:prstGeom prst="straightConnector1">
+            <a:avLst/>
+          </a:prstGeom>
+          <a:ln w="38100">
+            <a:solidFill>
+              <a:schemeClr val="tx1"/>
+            </a:solidFill>
+            <a:tailEnd type="triangle"/>
+          </a:ln>
+        </p:spPr>
+        <p:style>
+          <a:lnRef idx="1">
+            <a:schemeClr val="dk1"/>
+          </a:lnRef>
+          <a:fillRef idx="0">
+            <a:schemeClr val="dk1"/>
+          </a:fillRef>
+          <a:effectRef idx="0">
+            <a:schemeClr val="dk1"/>
+          </a:effectRef>
+          <a:fontRef idx="minor">
+            <a:schemeClr val="tx1"/>
+          </a:fontRef>
+        </p:style>
+      </p:cxnSp>
+      <p:sp>
+        <p:nvSpPr>
+          <p:cNvPr id="63" name="ZoneTexte 62">
+            <a:extLst>
+              <a:ext uri="{FF2B5EF4-FFF2-40B4-BE49-F238E27FC236}">
+                <a16:creationId xmlns:a16="http://schemas.microsoft.com/office/drawing/2014/main" id="{54D4981C-6CDB-48CD-8468-0D36B242FF81}"/>
+              </a:ext>
+            </a:extLst>
+          </p:cNvPr>
+          <p:cNvSpPr txBox="1"/>
+          <p:nvPr/>
+        </p:nvSpPr>
+        <p:spPr>
+          <a:xfrm>
+            <a:off x="8947051" y="806547"/>
+            <a:ext cx="1308295" cy="369332"/>
+          </a:xfrm>
+          <a:prstGeom prst="rect">
+            <a:avLst/>
+          </a:prstGeom>
+          <a:noFill/>
+          <a:ln w="38100">
+            <a:solidFill>
+              <a:schemeClr val="tx1"/>
+            </a:solidFill>
+            <a:prstDash val="dash"/>
+          </a:ln>
+        </p:spPr>
+        <p:txBody>
+          <a:bodyPr wrap="square" rtlCol="0">
+            <a:spAutoFit/>
+          </a:bodyPr>
+          <a:lstStyle/>
+          <a:p>
+            <a:r>
+              <a:rPr lang="fr-FR" b="1" dirty="0"/>
+              <a:t>User </a:t>
+            </a:r>
+            <a:r>
+              <a:rPr lang="fr-FR" b="1" dirty="0" err="1"/>
+              <a:t>choice</a:t>
+            </a:r>
+            <a:endParaRPr lang="en-US" b="1" dirty="0"/>
+          </a:p>
+        </p:txBody>
+      </p:sp>
     </p:spTree>
     <p:extLst>
       <p:ext uri="{BB962C8B-B14F-4D97-AF65-F5344CB8AC3E}">

--- a/CreateModel.pptx
+++ b/CreateModel.pptx
@@ -3108,10 +3108,11 @@
           <a:prstGeom prst="rect">
             <a:avLst/>
           </a:prstGeom>
-          <a:ln>
+          <a:ln w="38100">
             <a:solidFill>
               <a:schemeClr val="tx1"/>
             </a:solidFill>
+            <a:prstDash val="dash"/>
           </a:ln>
         </p:spPr>
         <p:style>
@@ -3255,11 +3256,11 @@
           <a:prstGeom prst="rect">
             <a:avLst/>
           </a:prstGeom>
-          <a:ln w="38100">
+          <a:ln w="12700">
             <a:solidFill>
               <a:schemeClr val="tx1"/>
             </a:solidFill>
-            <a:prstDash val="dash"/>
+            <a:prstDash val="solid"/>
           </a:ln>
         </p:spPr>
         <p:style>

--- a/CreateModel.pptx
+++ b/CreateModel.pptx
@@ -3102,8 +3102,8 @@
         </p:nvSpPr>
         <p:spPr>
           <a:xfrm>
-            <a:off x="3393836" y="3510469"/>
-            <a:ext cx="4695082" cy="457200"/>
+            <a:off x="3281292" y="3510469"/>
+            <a:ext cx="4920170" cy="457200"/>
           </a:xfrm>
           <a:prstGeom prst="rect">
             <a:avLst/>
@@ -3138,7 +3138,7 @@
             <a:pPr algn="ctr"/>
             <a:r>
               <a:rPr lang="fr-FR" dirty="0"/>
-              <a:t>SUBSAMPLING : BOOTSTRAPPING OR MEDIAN</a:t>
+              <a:t>SUBSAMPLING : RANDOM SELECTION OR MEDIAN</a:t>
             </a:r>
           </a:p>
         </p:txBody>
